--- a/java作业/培新1/Java基础-2021-V1.1.pptx
+++ b/java作业/培新1/Java基础-2021-V1.1.pptx
@@ -3075,7 +3075,7 @@
           <a:p>
             <a:fld id="{E16F9129-23CF-401A-A4C9-714D66B9860F}" type="datetimeFigureOut">
               <a:rPr lang="zh-CN" altLang="en-US" smtClean="0"/>
-              <a:t>2021/7/26</a:t>
+              <a:t>2021/8/9</a:t>
             </a:fld>
             <a:endParaRPr lang="zh-CN" altLang="en-US"/>
           </a:p>
@@ -3241,7 +3241,7 @@
           <a:p>
             <a:fld id="{E76AB16C-2204-41E8-8BC8-7C69304D359C}" type="datetimeFigureOut">
               <a:rPr lang="zh-CN" altLang="en-US" smtClean="0"/>
-              <a:t>2021/7/26</a:t>
+              <a:t>2021/8/9</a:t>
             </a:fld>
             <a:endParaRPr lang="zh-CN" altLang="en-US"/>
           </a:p>
@@ -7294,11 +7294,7 @@
           <a:p>
             <a:r>
               <a:rPr lang="en-US" altLang="zh-CN" baseline="0" dirty="0" smtClean="0"/>
-              <a:t>@</a:t>
-            </a:r>
-            <a:r>
-              <a:rPr lang="en-US" altLang="zh-CN" baseline="0" dirty="0" smtClean="0"/>
-              <a:t>Inherited</a:t>
+              <a:t>@Inherited</a:t>
             </a:r>
           </a:p>
           <a:p>
@@ -7816,7 +7812,7 @@
             <a:fld id="{F678065A-FB88-4FC5-B4C3-4DDF06AAFD48}" type="datetime1">
               <a:rPr lang="zh-CN" altLang="en-US" smtClean="0"/>
               <a:pPr/>
-              <a:t>2021/7/26</a:t>
+              <a:t>2021/8/9</a:t>
             </a:fld>
             <a:endParaRPr lang="zh-CN" altLang="en-US"/>
           </a:p>
@@ -8169,7 +8165,7 @@
             <a:fld id="{F678065A-FB88-4FC5-B4C3-4DDF06AAFD48}" type="datetime1">
               <a:rPr lang="zh-CN" altLang="en-US" smtClean="0"/>
               <a:pPr/>
-              <a:t>2021/7/26</a:t>
+              <a:t>2021/8/9</a:t>
             </a:fld>
             <a:endParaRPr lang="zh-CN" altLang="en-US"/>
           </a:p>
@@ -8483,7 +8479,7 @@
             <a:fld id="{F678065A-FB88-4FC5-B4C3-4DDF06AAFD48}" type="datetime1">
               <a:rPr lang="zh-CN" altLang="en-US" smtClean="0"/>
               <a:pPr/>
-              <a:t>2021/7/26</a:t>
+              <a:t>2021/8/9</a:t>
             </a:fld>
             <a:endParaRPr lang="zh-CN" altLang="en-US"/>
           </a:p>
@@ -8572,7 +8568,7 @@
           <a:p>
             <a:fld id="{F8F1F9AE-0D50-4E37-BE1C-1CBA0E0F13FA}" type="datetime1">
               <a:rPr lang="zh-CN" altLang="en-US" smtClean="0"/>
-              <a:t>2021/7/26</a:t>
+              <a:t>2021/8/9</a:t>
             </a:fld>
             <a:endParaRPr lang="zh-CN" altLang="en-US" dirty="0"/>
           </a:p>
@@ -8752,7 +8748,7 @@
           <a:p>
             <a:fld id="{A28A24FA-002C-49CD-A64E-173407DF4FEF}" type="datetime1">
               <a:rPr lang="zh-CN" altLang="en-US" smtClean="0"/>
-              <a:t>2021/7/26</a:t>
+              <a:t>2021/8/9</a:t>
             </a:fld>
             <a:endParaRPr lang="zh-CN" altLang="en-US" dirty="0"/>
           </a:p>
@@ -9212,7 +9208,7 @@
           <a:p>
             <a:fld id="{8F214139-E684-48A4-BAF4-A1802B8237B3}" type="datetime1">
               <a:rPr lang="zh-CN" altLang="en-US" smtClean="0"/>
-              <a:t>2021/7/26</a:t>
+              <a:t>2021/8/9</a:t>
             </a:fld>
             <a:endParaRPr lang="zh-CN" altLang="en-US" dirty="0"/>
           </a:p>
@@ -9638,7 +9634,7 @@
           <p:cNvPr id="10" name="文本框 9">
             <a:extLst>
               <a:ext uri="{FF2B5EF4-FFF2-40B4-BE49-F238E27FC236}">
-                <a16:creationId xmlns:a16="http://schemas.microsoft.com/office/drawing/2014/main" xmlns="" id="{0CAC9676-D9FA-4B2F-998D-8C7A1A04C886}"/>
+                <a16:creationId xmlns:a16="http://schemas.microsoft.com/office/drawing/2014/main" id="{0CAC9676-D9FA-4B2F-998D-8C7A1A04C886}"/>
               </a:ext>
             </a:extLst>
           </p:cNvPr>
@@ -10578,7 +10574,7 @@
             <a:fld id="{F678065A-FB88-4FC5-B4C3-4DDF06AAFD48}" type="datetime1">
               <a:rPr lang="zh-CN" altLang="en-US" smtClean="0"/>
               <a:pPr/>
-              <a:t>2021/7/26</a:t>
+              <a:t>2021/8/9</a:t>
             </a:fld>
             <a:endParaRPr lang="zh-CN" altLang="en-US"/>
           </a:p>
@@ -13981,7 +13977,7 @@
           <p:cNvPr id="9" name="文本框 8">
             <a:extLst>
               <a:ext uri="{FF2B5EF4-FFF2-40B4-BE49-F238E27FC236}">
-                <a16:creationId xmlns:a16="http://schemas.microsoft.com/office/drawing/2014/main" xmlns="" id="{B03973EF-7685-41A9-B5FF-9EA81A49EEE9}"/>
+                <a16:creationId xmlns:a16="http://schemas.microsoft.com/office/drawing/2014/main" id="{B03973EF-7685-41A9-B5FF-9EA81A49EEE9}"/>
               </a:ext>
             </a:extLst>
           </p:cNvPr>
@@ -14943,7 +14939,7 @@
           <p:cNvPr id="4" name="矩形 3">
             <a:extLst>
               <a:ext uri="{FF2B5EF4-FFF2-40B4-BE49-F238E27FC236}">
-                <a16:creationId xmlns:a16="http://schemas.microsoft.com/office/drawing/2014/main" xmlns="" id="{14BAD902-FD37-4151-85C5-DA6017FD00BF}"/>
+                <a16:creationId xmlns:a16="http://schemas.microsoft.com/office/drawing/2014/main" id="{14BAD902-FD37-4151-85C5-DA6017FD00BF}"/>
               </a:ext>
             </a:extLst>
           </p:cNvPr>
@@ -15004,7 +15000,7 @@
           <p:cNvPr id="6" name="矩形 5">
             <a:extLst>
               <a:ext uri="{FF2B5EF4-FFF2-40B4-BE49-F238E27FC236}">
-                <a16:creationId xmlns:a16="http://schemas.microsoft.com/office/drawing/2014/main" xmlns="" id="{97082B36-B0D0-4431-99D3-DA0C6D09817F}"/>
+                <a16:creationId xmlns:a16="http://schemas.microsoft.com/office/drawing/2014/main" id="{97082B36-B0D0-4431-99D3-DA0C6D09817F}"/>
               </a:ext>
             </a:extLst>
           </p:cNvPr>
@@ -15065,7 +15061,7 @@
           <p:cNvPr id="7" name="矩形 6">
             <a:extLst>
               <a:ext uri="{FF2B5EF4-FFF2-40B4-BE49-F238E27FC236}">
-                <a16:creationId xmlns:a16="http://schemas.microsoft.com/office/drawing/2014/main" xmlns="" id="{97082B36-B0D0-4431-99D3-DA0C6D09817F}"/>
+                <a16:creationId xmlns:a16="http://schemas.microsoft.com/office/drawing/2014/main" id="{97082B36-B0D0-4431-99D3-DA0C6D09817F}"/>
               </a:ext>
             </a:extLst>
           </p:cNvPr>
@@ -18428,7 +18424,7 @@
           <p:cNvPr id="6" name="文本框 5">
             <a:extLst>
               <a:ext uri="{FF2B5EF4-FFF2-40B4-BE49-F238E27FC236}">
-                <a16:creationId xmlns:a16="http://schemas.microsoft.com/office/drawing/2014/main" xmlns="" id="{B03973EF-7685-41A9-B5FF-9EA81A49EEE9}"/>
+                <a16:creationId xmlns:a16="http://schemas.microsoft.com/office/drawing/2014/main" id="{B03973EF-7685-41A9-B5FF-9EA81A49EEE9}"/>
               </a:ext>
             </a:extLst>
           </p:cNvPr>
@@ -20412,20 +20408,7 @@
                 <a:latin typeface="微软雅黑" panose="020B0503020204020204" pitchFamily="34" charset="-122"/>
                 <a:ea typeface="微软雅黑" panose="020B0503020204020204" pitchFamily="34" charset="-122"/>
               </a:rPr>
-              <a:t>基础</a:t>
-            </a:r>
-            <a:r>
-              <a:rPr lang="zh-CN" altLang="en-US" dirty="0" smtClean="0">
-                <a:solidFill>
-                  <a:schemeClr val="tx1">
-                    <a:lumMod val="65000"/>
-                    <a:lumOff val="35000"/>
-                  </a:schemeClr>
-                </a:solidFill>
-                <a:latin typeface="微软雅黑" panose="020B0503020204020204" pitchFamily="34" charset="-122"/>
-                <a:ea typeface="微软雅黑" panose="020B0503020204020204" pitchFamily="34" charset="-122"/>
-              </a:rPr>
-              <a:t>语法</a:t>
+              <a:t>基础语法</a:t>
             </a:r>
             <a:endParaRPr lang="en-US" altLang="zh-CN" dirty="0" smtClean="0">
               <a:solidFill>
@@ -21212,7 +21195,7 @@
           <p:cNvPr id="8" name="文本框 7">
             <a:extLst>
               <a:ext uri="{FF2B5EF4-FFF2-40B4-BE49-F238E27FC236}">
-                <a16:creationId xmlns:a16="http://schemas.microsoft.com/office/drawing/2014/main" xmlns="" id="{0FC084B4-C3C2-48CD-BDD5-601D143B8C13}"/>
+                <a16:creationId xmlns:a16="http://schemas.microsoft.com/office/drawing/2014/main" id="{0FC084B4-C3C2-48CD-BDD5-601D143B8C13}"/>
               </a:ext>
             </a:extLst>
           </p:cNvPr>
@@ -24888,35 +24871,35 @@
                 <a:gridCol w="1377514">
                   <a:extLst>
                     <a:ext uri="{9D8B030D-6E8A-4147-A177-3AD203B41FA5}">
-                      <a16:colId xmlns:a16="http://schemas.microsoft.com/office/drawing/2014/main" xmlns="" val="20000"/>
+                      <a16:colId xmlns:a16="http://schemas.microsoft.com/office/drawing/2014/main" val="20000"/>
                     </a:ext>
                   </a:extLst>
                 </a:gridCol>
                 <a:gridCol w="2164481">
                   <a:extLst>
                     <a:ext uri="{9D8B030D-6E8A-4147-A177-3AD203B41FA5}">
-                      <a16:colId xmlns:a16="http://schemas.microsoft.com/office/drawing/2014/main" xmlns="" val="20001"/>
+                      <a16:colId xmlns:a16="http://schemas.microsoft.com/office/drawing/2014/main" val="20001"/>
                     </a:ext>
                   </a:extLst>
                 </a:gridCol>
                 <a:gridCol w="1475783">
                   <a:extLst>
                     <a:ext uri="{9D8B030D-6E8A-4147-A177-3AD203B41FA5}">
-                      <a16:colId xmlns:a16="http://schemas.microsoft.com/office/drawing/2014/main" xmlns="" val="20002"/>
+                      <a16:colId xmlns:a16="http://schemas.microsoft.com/office/drawing/2014/main" val="20002"/>
                     </a:ext>
                   </a:extLst>
                 </a:gridCol>
                 <a:gridCol w="1279011">
                   <a:extLst>
                     <a:ext uri="{9D8B030D-6E8A-4147-A177-3AD203B41FA5}">
-                      <a16:colId xmlns:a16="http://schemas.microsoft.com/office/drawing/2014/main" xmlns="" val="20003"/>
+                      <a16:colId xmlns:a16="http://schemas.microsoft.com/office/drawing/2014/main" val="20003"/>
                     </a:ext>
                   </a:extLst>
                 </a:gridCol>
                 <a:gridCol w="3640262">
                   <a:extLst>
                     <a:ext uri="{9D8B030D-6E8A-4147-A177-3AD203B41FA5}">
-                      <a16:colId xmlns:a16="http://schemas.microsoft.com/office/drawing/2014/main" xmlns="" val="20004"/>
+                      <a16:colId xmlns:a16="http://schemas.microsoft.com/office/drawing/2014/main" val="20004"/>
                     </a:ext>
                   </a:extLst>
                 </a:gridCol>
@@ -25044,7 +25027,7 @@
                 </a:tc>
                 <a:extLst>
                   <a:ext uri="{0D108BD9-81ED-4DB2-BD59-A6C34878D82A}">
-                    <a16:rowId xmlns:a16="http://schemas.microsoft.com/office/drawing/2014/main" xmlns="" val="10000"/>
+                    <a16:rowId xmlns:a16="http://schemas.microsoft.com/office/drawing/2014/main" val="10000"/>
                   </a:ext>
                 </a:extLst>
               </a:tr>
@@ -25161,7 +25144,7 @@
                 </a:tc>
                 <a:extLst>
                   <a:ext uri="{0D108BD9-81ED-4DB2-BD59-A6C34878D82A}">
-                    <a16:rowId xmlns:a16="http://schemas.microsoft.com/office/drawing/2014/main" xmlns="" val="10001"/>
+                    <a16:rowId xmlns:a16="http://schemas.microsoft.com/office/drawing/2014/main" val="10001"/>
                   </a:ext>
                 </a:extLst>
               </a:tr>
@@ -25281,7 +25264,7 @@
                 </a:tc>
                 <a:extLst>
                   <a:ext uri="{0D108BD9-81ED-4DB2-BD59-A6C34878D82A}">
-                    <a16:rowId xmlns:a16="http://schemas.microsoft.com/office/drawing/2014/main" xmlns="" val="10002"/>
+                    <a16:rowId xmlns:a16="http://schemas.microsoft.com/office/drawing/2014/main" val="10002"/>
                   </a:ext>
                 </a:extLst>
               </a:tr>
@@ -25387,7 +25370,7 @@
                 </a:tc>
                 <a:extLst>
                   <a:ext uri="{0D108BD9-81ED-4DB2-BD59-A6C34878D82A}">
-                    <a16:rowId xmlns:a16="http://schemas.microsoft.com/office/drawing/2014/main" xmlns="" val="10003"/>
+                    <a16:rowId xmlns:a16="http://schemas.microsoft.com/office/drawing/2014/main" val="10003"/>
                   </a:ext>
                 </a:extLst>
               </a:tr>
@@ -25493,7 +25476,7 @@
                 </a:tc>
                 <a:extLst>
                   <a:ext uri="{0D108BD9-81ED-4DB2-BD59-A6C34878D82A}">
-                    <a16:rowId xmlns:a16="http://schemas.microsoft.com/office/drawing/2014/main" xmlns="" val="10004"/>
+                    <a16:rowId xmlns:a16="http://schemas.microsoft.com/office/drawing/2014/main" val="10004"/>
                   </a:ext>
                 </a:extLst>
               </a:tr>
@@ -25599,7 +25582,7 @@
                 </a:tc>
                 <a:extLst>
                   <a:ext uri="{0D108BD9-81ED-4DB2-BD59-A6C34878D82A}">
-                    <a16:rowId xmlns:a16="http://schemas.microsoft.com/office/drawing/2014/main" xmlns="" val="10005"/>
+                    <a16:rowId xmlns:a16="http://schemas.microsoft.com/office/drawing/2014/main" val="10005"/>
                   </a:ext>
                 </a:extLst>
               </a:tr>
@@ -25705,7 +25688,7 @@
                 </a:tc>
                 <a:extLst>
                   <a:ext uri="{0D108BD9-81ED-4DB2-BD59-A6C34878D82A}">
-                    <a16:rowId xmlns:a16="http://schemas.microsoft.com/office/drawing/2014/main" xmlns="" val="10006"/>
+                    <a16:rowId xmlns:a16="http://schemas.microsoft.com/office/drawing/2014/main" val="10006"/>
                   </a:ext>
                 </a:extLst>
               </a:tr>
@@ -25824,7 +25807,7 @@
                 </a:tc>
                 <a:extLst>
                   <a:ext uri="{0D108BD9-81ED-4DB2-BD59-A6C34878D82A}">
-                    <a16:rowId xmlns:a16="http://schemas.microsoft.com/office/drawing/2014/main" xmlns="" val="10007"/>
+                    <a16:rowId xmlns:a16="http://schemas.microsoft.com/office/drawing/2014/main" val="10007"/>
                   </a:ext>
                 </a:extLst>
               </a:tr>
@@ -25943,7 +25926,7 @@
                 </a:tc>
                 <a:extLst>
                   <a:ext uri="{0D108BD9-81ED-4DB2-BD59-A6C34878D82A}">
-                    <a16:rowId xmlns:a16="http://schemas.microsoft.com/office/drawing/2014/main" xmlns="" val="10008"/>
+                    <a16:rowId xmlns:a16="http://schemas.microsoft.com/office/drawing/2014/main" val="10008"/>
                   </a:ext>
                 </a:extLst>
               </a:tr>
@@ -28773,35 +28756,35 @@
                 <a:gridCol w="1549518">
                   <a:extLst>
                     <a:ext uri="{9D8B030D-6E8A-4147-A177-3AD203B41FA5}">
-                      <a16:colId xmlns:a16="http://schemas.microsoft.com/office/drawing/2014/main" xmlns="" val="20000"/>
+                      <a16:colId xmlns:a16="http://schemas.microsoft.com/office/drawing/2014/main" val="20000"/>
                     </a:ext>
                   </a:extLst>
                 </a:gridCol>
                 <a:gridCol w="1549518">
                   <a:extLst>
                     <a:ext uri="{9D8B030D-6E8A-4147-A177-3AD203B41FA5}">
-                      <a16:colId xmlns:a16="http://schemas.microsoft.com/office/drawing/2014/main" xmlns="" val="20001"/>
+                      <a16:colId xmlns:a16="http://schemas.microsoft.com/office/drawing/2014/main" val="20001"/>
                     </a:ext>
                   </a:extLst>
                 </a:gridCol>
                 <a:gridCol w="1549518">
                   <a:extLst>
                     <a:ext uri="{9D8B030D-6E8A-4147-A177-3AD203B41FA5}">
-                      <a16:colId xmlns:a16="http://schemas.microsoft.com/office/drawing/2014/main" xmlns="" val="20002"/>
+                      <a16:colId xmlns:a16="http://schemas.microsoft.com/office/drawing/2014/main" val="20002"/>
                     </a:ext>
                   </a:extLst>
                 </a:gridCol>
                 <a:gridCol w="1549518">
                   <a:extLst>
                     <a:ext uri="{9D8B030D-6E8A-4147-A177-3AD203B41FA5}">
-                      <a16:colId xmlns:a16="http://schemas.microsoft.com/office/drawing/2014/main" xmlns="" val="20003"/>
+                      <a16:colId xmlns:a16="http://schemas.microsoft.com/office/drawing/2014/main" val="20003"/>
                     </a:ext>
                   </a:extLst>
                 </a:gridCol>
                 <a:gridCol w="1549518">
                   <a:extLst>
                     <a:ext uri="{9D8B030D-6E8A-4147-A177-3AD203B41FA5}">
-                      <a16:colId xmlns:a16="http://schemas.microsoft.com/office/drawing/2014/main" xmlns="" val="20004"/>
+                      <a16:colId xmlns:a16="http://schemas.microsoft.com/office/drawing/2014/main" val="20004"/>
                     </a:ext>
                   </a:extLst>
                 </a:gridCol>
@@ -28929,7 +28912,7 @@
                 </a:tc>
                 <a:extLst>
                   <a:ext uri="{0D108BD9-81ED-4DB2-BD59-A6C34878D82A}">
-                    <a16:rowId xmlns:a16="http://schemas.microsoft.com/office/drawing/2014/main" xmlns="" val="10000"/>
+                    <a16:rowId xmlns:a16="http://schemas.microsoft.com/office/drawing/2014/main" val="10000"/>
                   </a:ext>
                 </a:extLst>
               </a:tr>
@@ -29104,7 +29087,7 @@
                 </a:tc>
                 <a:extLst>
                   <a:ext uri="{0D108BD9-81ED-4DB2-BD59-A6C34878D82A}">
-                    <a16:rowId xmlns:a16="http://schemas.microsoft.com/office/drawing/2014/main" xmlns="" val="10001"/>
+                    <a16:rowId xmlns:a16="http://schemas.microsoft.com/office/drawing/2014/main" val="10001"/>
                   </a:ext>
                 </a:extLst>
               </a:tr>
@@ -29292,7 +29275,7 @@
                 </a:tc>
                 <a:extLst>
                   <a:ext uri="{0D108BD9-81ED-4DB2-BD59-A6C34878D82A}">
-                    <a16:rowId xmlns:a16="http://schemas.microsoft.com/office/drawing/2014/main" xmlns="" val="10002"/>
+                    <a16:rowId xmlns:a16="http://schemas.microsoft.com/office/drawing/2014/main" val="10002"/>
                   </a:ext>
                 </a:extLst>
               </a:tr>
@@ -29398,7 +29381,7 @@
                 </a:tc>
                 <a:extLst>
                   <a:ext uri="{0D108BD9-81ED-4DB2-BD59-A6C34878D82A}">
-                    <a16:rowId xmlns:a16="http://schemas.microsoft.com/office/drawing/2014/main" xmlns="" val="10003"/>
+                    <a16:rowId xmlns:a16="http://schemas.microsoft.com/office/drawing/2014/main" val="10003"/>
                   </a:ext>
                 </a:extLst>
               </a:tr>
@@ -29573,7 +29556,7 @@
                 </a:tc>
                 <a:extLst>
                   <a:ext uri="{0D108BD9-81ED-4DB2-BD59-A6C34878D82A}">
-                    <a16:rowId xmlns:a16="http://schemas.microsoft.com/office/drawing/2014/main" xmlns="" val="10004"/>
+                    <a16:rowId xmlns:a16="http://schemas.microsoft.com/office/drawing/2014/main" val="10004"/>
                   </a:ext>
                 </a:extLst>
               </a:tr>
@@ -30057,7 +30040,7 @@
           <p:cNvPr id="11" name="文本框 10">
             <a:extLst>
               <a:ext uri="{FF2B5EF4-FFF2-40B4-BE49-F238E27FC236}">
-                <a16:creationId xmlns:a16="http://schemas.microsoft.com/office/drawing/2014/main" xmlns="" id="{0CAC9676-D9FA-4B2F-998D-8C7A1A04C886}"/>
+                <a16:creationId xmlns:a16="http://schemas.microsoft.com/office/drawing/2014/main" id="{0CAC9676-D9FA-4B2F-998D-8C7A1A04C886}"/>
               </a:ext>
             </a:extLst>
           </p:cNvPr>
@@ -30596,7 +30579,7 @@
           <p:cNvPr id="10" name="文本框 9">
             <a:extLst>
               <a:ext uri="{FF2B5EF4-FFF2-40B4-BE49-F238E27FC236}">
-                <a16:creationId xmlns:a16="http://schemas.microsoft.com/office/drawing/2014/main" xmlns="" id="{0CAC9676-D9FA-4B2F-998D-8C7A1A04C886}"/>
+                <a16:creationId xmlns:a16="http://schemas.microsoft.com/office/drawing/2014/main" id="{0CAC9676-D9FA-4B2F-998D-8C7A1A04C886}"/>
               </a:ext>
             </a:extLst>
           </p:cNvPr>
